--- a/002_Angular/lesson_14/Presentation/services_1.pptx
+++ b/002_Angular/lesson_14/Presentation/services_1.pptx
@@ -112,6 +112,22 @@
       </a:defRPr>
     </a:lvl9pPr>
   </p:defaultTextStyle>
+  <p:extLst>
+    <p:ext uri="{EFAFB233-063F-42B5-8137-9DF3F51BA10A}">
+      <p15:sldGuideLst xmlns:p15="http://schemas.microsoft.com/office/powerpoint/2012/main">
+        <p15:guide id="1" orient="horz" pos="2160">
+          <p15:clr>
+            <a:srgbClr val="A4A3A4"/>
+          </p15:clr>
+        </p15:guide>
+        <p15:guide id="2" pos="2880">
+          <p15:clr>
+            <a:srgbClr val="A4A3A4"/>
+          </p15:clr>
+        </p15:guide>
+      </p15:sldGuideLst>
+    </p:ext>
+  </p:extLst>
 </p:presentation>
 </file>
 
@@ -197,7 +213,7 @@
           <a:p>
             <a:fld id="{060326BE-1567-4223-85A8-8FAD20C7F757}" type="datetimeFigureOut">
               <a:rPr lang="uk-UA" smtClean="0"/>
-              <a:t>27.06.2016</a:t>
+              <a:t>12.08.2016</a:t>
             </a:fld>
             <a:endParaRPr lang="uk-UA"/>
           </a:p>
@@ -263,35 +279,35 @@
           <a:p>
             <a:pPr lvl="0"/>
             <a:r>
-              <a:rPr lang="ru-RU" smtClean="0"/>
+              <a:rPr lang="ru-RU"/>
               <a:t>Образец текста</a:t>
             </a:r>
           </a:p>
           <a:p>
             <a:pPr lvl="1"/>
             <a:r>
-              <a:rPr lang="ru-RU" smtClean="0"/>
+              <a:rPr lang="ru-RU"/>
               <a:t>Второй уровень</a:t>
             </a:r>
           </a:p>
           <a:p>
             <a:pPr lvl="2"/>
             <a:r>
-              <a:rPr lang="ru-RU" smtClean="0"/>
+              <a:rPr lang="ru-RU"/>
               <a:t>Третий уровень</a:t>
             </a:r>
           </a:p>
           <a:p>
             <a:pPr lvl="3"/>
             <a:r>
-              <a:rPr lang="ru-RU" smtClean="0"/>
+              <a:rPr lang="ru-RU"/>
               <a:t>Четвертый уровень</a:t>
             </a:r>
           </a:p>
           <a:p>
             <a:pPr lvl="4"/>
             <a:r>
-              <a:rPr lang="ru-RU" smtClean="0"/>
+              <a:rPr lang="ru-RU"/>
               <a:t>Пятый уровень</a:t>
             </a:r>
             <a:endParaRPr lang="uk-UA"/>
@@ -679,10 +695,9 @@
           </a:lstStyle>
           <a:p>
             <a:r>
-              <a:rPr lang="en-US" dirty="0" smtClean="0"/>
+              <a:rPr lang="en-US" dirty="0"/>
               <a:t>title style</a:t>
             </a:r>
-            <a:endParaRPr lang="en-US" dirty="0"/>
           </a:p>
         </p:txBody>
       </p:sp>
@@ -802,7 +817,7 @@
           </a:lstStyle>
           <a:p>
             <a:r>
-              <a:rPr lang="ru-RU" smtClean="0"/>
+              <a:rPr lang="ru-RU"/>
               <a:t>Образец подзаголовка</a:t>
             </a:r>
             <a:endParaRPr lang="en-US" dirty="0"/>
@@ -1131,20 +1146,13 @@
     </p:spTree>
     <p:extLst>
       <p:ext uri="{BB962C8B-B14F-4D97-AF65-F5344CB8AC3E}">
-        <p14:creationId xmlns="" xmlns:p14="http://schemas.microsoft.com/office/powerpoint/2010/main" val="3537187278"/>
+        <p14:creationId xmlns:p14="http://schemas.microsoft.com/office/powerpoint/2010/main" val="3537187278"/>
       </p:ext>
     </p:extLst>
   </p:cSld>
   <p:clrMapOvr>
     <a:overrideClrMapping bg1="lt1" tx1="dk1" bg2="lt2" tx2="dk2" accent1="accent1" accent2="accent2" accent3="accent3" accent4="accent4" accent5="accent5" accent6="accent6" hlink="hlink" folHlink="folHlink"/>
   </p:clrMapOvr>
-  <p:timing>
-    <p:tnLst>
-      <p:par>
-        <p:cTn id="1" dur="indefinite" restart="never" nodeType="tmRoot"/>
-      </p:par>
-    </p:tnLst>
-  </p:timing>
 </p:sldLayout>
 </file>
 
@@ -1177,7 +1185,7 @@
           <a:blip r:embed="rId2" cstate="print">
             <a:extLst>
               <a:ext uri="{28A0092B-C50C-407E-A947-70E740481C1C}">
-                <a14:useLocalDpi xmlns="" xmlns:a14="http://schemas.microsoft.com/office/drawing/2010/main" val="0"/>
+                <a14:useLocalDpi xmlns:a14="http://schemas.microsoft.com/office/drawing/2010/main" val="0"/>
               </a:ext>
             </a:extLst>
           </a:blip>
@@ -1201,14 +1209,14 @@
           <a:effectLst/>
           <a:extLst>
             <a:ext uri="{909E8E84-426E-40DD-AFC4-6F175D3DCCD1}">
-              <a14:hiddenFill xmlns="" xmlns:a14="http://schemas.microsoft.com/office/drawing/2010/main">
+              <a14:hiddenFill xmlns:a14="http://schemas.microsoft.com/office/drawing/2010/main">
                 <a:solidFill>
                   <a:schemeClr val="accent1"/>
                 </a:solidFill>
               </a14:hiddenFill>
             </a:ext>
             <a:ext uri="{91240B29-F687-4F45-9708-019B960494DF}">
-              <a14:hiddenLine xmlns="" xmlns:a14="http://schemas.microsoft.com/office/drawing/2010/main" w="9525">
+              <a14:hiddenLine xmlns:a14="http://schemas.microsoft.com/office/drawing/2010/main" w="9525">
                 <a:solidFill>
                   <a:schemeClr val="tx1"/>
                 </a:solidFill>
@@ -1218,7 +1226,7 @@
               </a14:hiddenLine>
             </a:ext>
             <a:ext uri="{AF507438-7753-43E0-B8FC-AC1667EBCBE1}">
-              <a14:hiddenEffects xmlns="" xmlns:a14="http://schemas.microsoft.com/office/drawing/2010/main">
+              <a14:hiddenEffects xmlns:a14="http://schemas.microsoft.com/office/drawing/2010/main">
                 <a:effectLst>
                   <a:outerShdw dist="35921" dir="2700000" algn="ctr" rotWithShape="0">
                     <a:schemeClr val="bg2"/>
@@ -1313,7 +1321,7 @@
           </a:lstStyle>
           <a:p>
             <a:r>
-              <a:rPr lang="ru-RU" smtClean="0"/>
+              <a:rPr lang="ru-RU"/>
               <a:t>Образец заголовка</a:t>
             </a:r>
             <a:endParaRPr lang="en-US" dirty="0"/>
@@ -1350,7 +1358,7 @@
           <a:p>
             <a:pPr lvl="4"/>
             <a:r>
-              <a:rPr lang="en-US" dirty="0" smtClean="0"/>
+              <a:rPr lang="en-US" dirty="0"/>
               <a:t>Subtitle</a:t>
             </a:r>
           </a:p>
@@ -1359,20 +1367,13 @@
     </p:spTree>
     <p:extLst>
       <p:ext uri="{BB962C8B-B14F-4D97-AF65-F5344CB8AC3E}">
-        <p14:creationId xmlns="" xmlns:p14="http://schemas.microsoft.com/office/powerpoint/2010/main" val="2097366919"/>
+        <p14:creationId xmlns:p14="http://schemas.microsoft.com/office/powerpoint/2010/main" val="2097366919"/>
       </p:ext>
     </p:extLst>
   </p:cSld>
   <p:clrMapOvr>
     <a:masterClrMapping/>
   </p:clrMapOvr>
-  <p:timing>
-    <p:tnLst>
-      <p:par>
-        <p:cTn id="1" dur="indefinite" restart="never" nodeType="tmRoot"/>
-      </p:par>
-    </p:tnLst>
-  </p:timing>
 </p:sldLayout>
 </file>
 
@@ -1881,7 +1882,7 @@
     </p:spTree>
     <p:extLst>
       <p:ext uri="{BB962C8B-B14F-4D97-AF65-F5344CB8AC3E}">
-        <p14:creationId xmlns:p14="http://schemas.microsoft.com/office/powerpoint/2010/main" xmlns="" val="3537187278"/>
+        <p14:creationId xmlns:p14="http://schemas.microsoft.com/office/powerpoint/2010/main" val="3537187278"/>
       </p:ext>
     </p:extLst>
   </p:cSld>
@@ -1939,7 +1940,7 @@
           <a:lstStyle/>
           <a:p>
             <a:r>
-              <a:rPr lang="ru-RU" smtClean="0"/>
+              <a:rPr lang="ru-RU"/>
               <a:t>Образец заголовка</a:t>
             </a:r>
             <a:endParaRPr lang="en-US"/>
@@ -1949,7 +1950,7 @@
     </p:spTree>
     <p:extLst>
       <p:ext uri="{BB962C8B-B14F-4D97-AF65-F5344CB8AC3E}">
-        <p14:creationId xmlns="" xmlns:p14="http://schemas.microsoft.com/office/powerpoint/2010/main" val="779007194"/>
+        <p14:creationId xmlns:p14="http://schemas.microsoft.com/office/powerpoint/2010/main" val="779007194"/>
       </p:ext>
     </p:extLst>
   </p:cSld>
@@ -1959,13 +1960,6 @@
     <p:sldLayoutId id="2147483663" r:id="rId2"/>
     <p:sldLayoutId id="2147483664" r:id="rId3"/>
   </p:sldLayoutIdLst>
-  <p:timing>
-    <p:tnLst>
-      <p:par>
-        <p:cTn id="1" dur="indefinite" restart="never" nodeType="tmRoot"/>
-      </p:par>
-    </p:tnLst>
-  </p:timing>
   <p:txStyles>
     <p:titleStyle>
       <a:lvl1pPr algn="ctr" defTabSz="914400" rtl="0" eaLnBrk="1" latinLnBrk="0" hangingPunct="1">
@@ -2305,7 +2299,7 @@
           <a:lstStyle/>
           <a:p>
             <a:r>
-              <a:rPr lang="en-US" sz="2700" dirty="0" smtClean="0">
+              <a:rPr lang="en-US" sz="2700" dirty="0">
                 <a:solidFill>
                   <a:schemeClr val="bg1"/>
                 </a:solidFill>
@@ -2326,241 +2320,6 @@
           </a:p>
         </p:txBody>
       </p:sp>
-      <p:sp>
-        <p:nvSpPr>
-          <p:cNvPr id="6" name="Subtitle 2"/>
-          <p:cNvSpPr txBox="1">
-            <a:spLocks/>
-          </p:cNvSpPr>
-          <p:nvPr/>
-        </p:nvSpPr>
-        <p:spPr>
-          <a:xfrm>
-            <a:off x="806449" y="1281006"/>
-            <a:ext cx="6322695" cy="507831"/>
-          </a:xfrm>
-          <a:prstGeom prst="rect">
-            <a:avLst/>
-          </a:prstGeom>
-        </p:spPr>
-        <p:txBody>
-          <a:bodyPr wrap="square">
-            <a:spAutoFit/>
-          </a:bodyPr>
-          <a:lstStyle>
-            <a:lvl1pPr marL="0" indent="0" algn="l" defTabSz="914400" rtl="0" eaLnBrk="1" latinLnBrk="0" hangingPunct="1">
-              <a:spcBef>
-                <a:spcPct val="20000"/>
-              </a:spcBef>
-              <a:buFont typeface="Arial" pitchFamily="34" charset="0"/>
-              <a:buNone/>
-              <a:defRPr sz="3200" kern="1200">
-                <a:solidFill>
-                  <a:schemeClr val="tx1">
-                    <a:tint val="75000"/>
-                  </a:schemeClr>
-                </a:solidFill>
-                <a:latin typeface="+mj-lt"/>
-                <a:ea typeface="+mn-ea"/>
-                <a:cs typeface="+mn-cs"/>
-              </a:defRPr>
-            </a:lvl1pPr>
-            <a:lvl2pPr marL="457200" indent="0" algn="ctr" defTabSz="914400" rtl="0" eaLnBrk="1" latinLnBrk="0" hangingPunct="1">
-              <a:spcBef>
-                <a:spcPct val="20000"/>
-              </a:spcBef>
-              <a:buFont typeface="Arial" pitchFamily="34" charset="0"/>
-              <a:buNone/>
-              <a:defRPr sz="2800" kern="1200">
-                <a:solidFill>
-                  <a:schemeClr val="tx1">
-                    <a:tint val="75000"/>
-                  </a:schemeClr>
-                </a:solidFill>
-                <a:latin typeface="+mn-lt"/>
-                <a:ea typeface="+mn-ea"/>
-                <a:cs typeface="+mn-cs"/>
-              </a:defRPr>
-            </a:lvl2pPr>
-            <a:lvl3pPr marL="914400" indent="0" algn="ctr" defTabSz="914400" rtl="0" eaLnBrk="1" latinLnBrk="0" hangingPunct="1">
-              <a:spcBef>
-                <a:spcPct val="20000"/>
-              </a:spcBef>
-              <a:buFont typeface="Arial" pitchFamily="34" charset="0"/>
-              <a:buNone/>
-              <a:defRPr sz="2400" kern="1200">
-                <a:solidFill>
-                  <a:schemeClr val="tx1">
-                    <a:tint val="75000"/>
-                  </a:schemeClr>
-                </a:solidFill>
-                <a:latin typeface="+mn-lt"/>
-                <a:ea typeface="+mn-ea"/>
-                <a:cs typeface="+mn-cs"/>
-              </a:defRPr>
-            </a:lvl3pPr>
-            <a:lvl4pPr marL="1371600" indent="0" algn="ctr" defTabSz="914400" rtl="0" eaLnBrk="1" latinLnBrk="0" hangingPunct="1">
-              <a:spcBef>
-                <a:spcPct val="20000"/>
-              </a:spcBef>
-              <a:buFont typeface="Arial" pitchFamily="34" charset="0"/>
-              <a:buNone/>
-              <a:defRPr sz="2000" kern="1200">
-                <a:solidFill>
-                  <a:schemeClr val="tx1">
-                    <a:tint val="75000"/>
-                  </a:schemeClr>
-                </a:solidFill>
-                <a:latin typeface="+mn-lt"/>
-                <a:ea typeface="+mn-ea"/>
-                <a:cs typeface="+mn-cs"/>
-              </a:defRPr>
-            </a:lvl4pPr>
-            <a:lvl5pPr marL="1828800" indent="0" algn="ctr" defTabSz="914400" rtl="0" eaLnBrk="1" latinLnBrk="0" hangingPunct="1">
-              <a:spcBef>
-                <a:spcPct val="20000"/>
-              </a:spcBef>
-              <a:buFont typeface="Arial" pitchFamily="34" charset="0"/>
-              <a:buNone/>
-              <a:defRPr sz="2000" kern="1200">
-                <a:solidFill>
-                  <a:schemeClr val="tx1">
-                    <a:tint val="75000"/>
-                  </a:schemeClr>
-                </a:solidFill>
-                <a:latin typeface="+mn-lt"/>
-                <a:ea typeface="+mn-ea"/>
-                <a:cs typeface="+mn-cs"/>
-              </a:defRPr>
-            </a:lvl5pPr>
-            <a:lvl6pPr marL="2286000" indent="0" algn="ctr" defTabSz="914400" rtl="0" eaLnBrk="1" latinLnBrk="0" hangingPunct="1">
-              <a:spcBef>
-                <a:spcPct val="20000"/>
-              </a:spcBef>
-              <a:buFont typeface="Arial" pitchFamily="34" charset="0"/>
-              <a:buNone/>
-              <a:defRPr sz="2000" kern="1200">
-                <a:solidFill>
-                  <a:schemeClr val="tx1">
-                    <a:tint val="75000"/>
-                  </a:schemeClr>
-                </a:solidFill>
-                <a:latin typeface="+mn-lt"/>
-                <a:ea typeface="+mn-ea"/>
-                <a:cs typeface="+mn-cs"/>
-              </a:defRPr>
-            </a:lvl6pPr>
-            <a:lvl7pPr marL="2743200" indent="0" algn="ctr" defTabSz="914400" rtl="0" eaLnBrk="1" latinLnBrk="0" hangingPunct="1">
-              <a:spcBef>
-                <a:spcPct val="20000"/>
-              </a:spcBef>
-              <a:buFont typeface="Arial" pitchFamily="34" charset="0"/>
-              <a:buNone/>
-              <a:defRPr sz="2000" kern="1200">
-                <a:solidFill>
-                  <a:schemeClr val="tx1">
-                    <a:tint val="75000"/>
-                  </a:schemeClr>
-                </a:solidFill>
-                <a:latin typeface="+mn-lt"/>
-                <a:ea typeface="+mn-ea"/>
-                <a:cs typeface="+mn-cs"/>
-              </a:defRPr>
-            </a:lvl7pPr>
-            <a:lvl8pPr marL="3200400" indent="0" algn="ctr" defTabSz="914400" rtl="0" eaLnBrk="1" latinLnBrk="0" hangingPunct="1">
-              <a:spcBef>
-                <a:spcPct val="20000"/>
-              </a:spcBef>
-              <a:buFont typeface="Arial" pitchFamily="34" charset="0"/>
-              <a:buNone/>
-              <a:defRPr sz="2000" kern="1200">
-                <a:solidFill>
-                  <a:schemeClr val="tx1">
-                    <a:tint val="75000"/>
-                  </a:schemeClr>
-                </a:solidFill>
-                <a:latin typeface="+mn-lt"/>
-                <a:ea typeface="+mn-ea"/>
-                <a:cs typeface="+mn-cs"/>
-              </a:defRPr>
-            </a:lvl8pPr>
-            <a:lvl9pPr marL="3657600" indent="0" algn="ctr" defTabSz="914400" rtl="0" eaLnBrk="1" latinLnBrk="0" hangingPunct="1">
-              <a:spcBef>
-                <a:spcPct val="20000"/>
-              </a:spcBef>
-              <a:buFont typeface="Arial" pitchFamily="34" charset="0"/>
-              <a:buNone/>
-              <a:defRPr sz="2000" kern="1200">
-                <a:solidFill>
-                  <a:schemeClr val="tx1">
-                    <a:tint val="75000"/>
-                  </a:schemeClr>
-                </a:solidFill>
-                <a:latin typeface="+mn-lt"/>
-                <a:ea typeface="+mn-ea"/>
-                <a:cs typeface="+mn-cs"/>
-              </a:defRPr>
-            </a:lvl9pPr>
-          </a:lstStyle>
-          <a:p>
-            <a:r>
-              <a:rPr lang="en-US" sz="2700" dirty="0">
-                <a:solidFill>
-                  <a:schemeClr val="tx1">
-                    <a:lumMod val="90000"/>
-                    <a:lumOff val="10000"/>
-                  </a:schemeClr>
-                </a:solidFill>
-                <a:latin typeface="Roboto Light" panose="02000000000000000000" pitchFamily="2" charset="0"/>
-                <a:ea typeface="Roboto Light" panose="02000000000000000000" pitchFamily="2" charset="0"/>
-                <a:cs typeface="Roboto Light" panose="02000000000000000000" pitchFamily="2" charset="0"/>
-              </a:rPr>
-              <a:t>The JavaScript Programming Language</a:t>
-            </a:r>
-          </a:p>
-        </p:txBody>
-      </p:sp>
-      <p:pic>
-        <p:nvPicPr>
-          <p:cNvPr id="1028" name="Picture 4" descr="C:\Users\Darick\Desktop\Mmww2.png"/>
-          <p:cNvPicPr>
-            <a:picLocks noChangeAspect="1" noChangeArrowheads="1"/>
-          </p:cNvPicPr>
-          <p:nvPr/>
-        </p:nvPicPr>
-        <p:blipFill>
-          <a:blip r:embed="rId3" cstate="print">
-            <a:extLst>
-              <a:ext uri="{28A0092B-C50C-407E-A947-70E740481C1C}">
-                <a14:useLocalDpi xmlns:a14="http://schemas.microsoft.com/office/drawing/2010/main" xmlns="" val="0"/>
-              </a:ext>
-            </a:extLst>
-          </a:blip>
-          <a:srcRect/>
-          <a:stretch>
-            <a:fillRect/>
-          </a:stretch>
-        </p:blipFill>
-        <p:spPr bwMode="auto">
-          <a:xfrm>
-            <a:off x="1" y="698501"/>
-            <a:ext cx="809625" cy="1079500"/>
-          </a:xfrm>
-          <a:prstGeom prst="rect">
-            <a:avLst/>
-          </a:prstGeom>
-          <a:noFill/>
-          <a:extLst>
-            <a:ext uri="{909E8E84-426E-40DD-AFC4-6F175D3DCCD1}">
-              <a14:hiddenFill xmlns:a14="http://schemas.microsoft.com/office/drawing/2010/main" xmlns="">
-                <a:solidFill>
-                  <a:srgbClr val="FFFFFF"/>
-                </a:solidFill>
-              </a14:hiddenFill>
-            </a:ext>
-          </a:extLst>
-        </p:spPr>
-      </p:pic>
       <p:sp>
         <p:nvSpPr>
           <p:cNvPr id="5" name="TextBox 4"/>
@@ -2584,7 +2343,7 @@
           <a:lstStyle/>
           <a:p>
             <a:r>
-              <a:rPr lang="ru-RU" sz="4400" dirty="0" smtClean="0">
+              <a:rPr lang="ru-RU" sz="4400" dirty="0">
                 <a:solidFill>
                   <a:srgbClr val="7564BC"/>
                 </a:solidFill>
@@ -2595,10 +2354,456 @@
           </a:p>
         </p:txBody>
       </p:sp>
+      <p:grpSp>
+        <p:nvGrpSpPr>
+          <p:cNvPr id="8" name="Group 7"/>
+          <p:cNvGrpSpPr/>
+          <p:nvPr/>
+        </p:nvGrpSpPr>
+        <p:grpSpPr>
+          <a:xfrm>
+            <a:off x="976312" y="1484784"/>
+            <a:ext cx="7890676" cy="981439"/>
+            <a:chOff x="976312" y="1284918"/>
+            <a:chExt cx="7890676" cy="981439"/>
+          </a:xfrm>
+        </p:grpSpPr>
+        <p:sp>
+          <p:nvSpPr>
+            <p:cNvPr id="9" name="Subtitle 2"/>
+            <p:cNvSpPr txBox="1">
+              <a:spLocks/>
+            </p:cNvSpPr>
+            <p:nvPr/>
+          </p:nvSpPr>
+          <p:spPr>
+            <a:xfrm>
+              <a:off x="1888060" y="1521428"/>
+              <a:ext cx="6322695" cy="507831"/>
+            </a:xfrm>
+            <a:prstGeom prst="rect">
+              <a:avLst/>
+            </a:prstGeom>
+          </p:spPr>
+          <p:txBody>
+            <a:bodyPr wrap="square">
+              <a:spAutoFit/>
+            </a:bodyPr>
+            <a:lstStyle>
+              <a:lvl1pPr marL="0" indent="0" algn="l" defTabSz="914400" rtl="0" eaLnBrk="1" latinLnBrk="0" hangingPunct="1">
+                <a:spcBef>
+                  <a:spcPct val="20000"/>
+                </a:spcBef>
+                <a:buFont typeface="Arial" pitchFamily="34" charset="0"/>
+                <a:buNone/>
+                <a:defRPr sz="3200" kern="1200">
+                  <a:solidFill>
+                    <a:schemeClr val="tx1">
+                      <a:tint val="75000"/>
+                    </a:schemeClr>
+                  </a:solidFill>
+                  <a:latin typeface="+mj-lt"/>
+                  <a:ea typeface="+mn-ea"/>
+                  <a:cs typeface="+mn-cs"/>
+                </a:defRPr>
+              </a:lvl1pPr>
+              <a:lvl2pPr marL="457200" indent="0" algn="ctr" defTabSz="914400" rtl="0" eaLnBrk="1" latinLnBrk="0" hangingPunct="1">
+                <a:spcBef>
+                  <a:spcPct val="20000"/>
+                </a:spcBef>
+                <a:buFont typeface="Arial" pitchFamily="34" charset="0"/>
+                <a:buNone/>
+                <a:defRPr sz="2800" kern="1200">
+                  <a:solidFill>
+                    <a:schemeClr val="tx1">
+                      <a:tint val="75000"/>
+                    </a:schemeClr>
+                  </a:solidFill>
+                  <a:latin typeface="+mn-lt"/>
+                  <a:ea typeface="+mn-ea"/>
+                  <a:cs typeface="+mn-cs"/>
+                </a:defRPr>
+              </a:lvl2pPr>
+              <a:lvl3pPr marL="914400" indent="0" algn="ctr" defTabSz="914400" rtl="0" eaLnBrk="1" latinLnBrk="0" hangingPunct="1">
+                <a:spcBef>
+                  <a:spcPct val="20000"/>
+                </a:spcBef>
+                <a:buFont typeface="Arial" pitchFamily="34" charset="0"/>
+                <a:buNone/>
+                <a:defRPr sz="2400" kern="1200">
+                  <a:solidFill>
+                    <a:schemeClr val="tx1">
+                      <a:tint val="75000"/>
+                    </a:schemeClr>
+                  </a:solidFill>
+                  <a:latin typeface="+mn-lt"/>
+                  <a:ea typeface="+mn-ea"/>
+                  <a:cs typeface="+mn-cs"/>
+                </a:defRPr>
+              </a:lvl3pPr>
+              <a:lvl4pPr marL="1371600" indent="0" algn="ctr" defTabSz="914400" rtl="0" eaLnBrk="1" latinLnBrk="0" hangingPunct="1">
+                <a:spcBef>
+                  <a:spcPct val="20000"/>
+                </a:spcBef>
+                <a:buFont typeface="Arial" pitchFamily="34" charset="0"/>
+                <a:buNone/>
+                <a:defRPr sz="2000" kern="1200">
+                  <a:solidFill>
+                    <a:schemeClr val="tx1">
+                      <a:tint val="75000"/>
+                    </a:schemeClr>
+                  </a:solidFill>
+                  <a:latin typeface="+mn-lt"/>
+                  <a:ea typeface="+mn-ea"/>
+                  <a:cs typeface="+mn-cs"/>
+                </a:defRPr>
+              </a:lvl4pPr>
+              <a:lvl5pPr marL="1828800" indent="0" algn="ctr" defTabSz="914400" rtl="0" eaLnBrk="1" latinLnBrk="0" hangingPunct="1">
+                <a:spcBef>
+                  <a:spcPct val="20000"/>
+                </a:spcBef>
+                <a:buFont typeface="Arial" pitchFamily="34" charset="0"/>
+                <a:buNone/>
+                <a:defRPr sz="2000" kern="1200">
+                  <a:solidFill>
+                    <a:schemeClr val="tx1">
+                      <a:tint val="75000"/>
+                    </a:schemeClr>
+                  </a:solidFill>
+                  <a:latin typeface="+mn-lt"/>
+                  <a:ea typeface="+mn-ea"/>
+                  <a:cs typeface="+mn-cs"/>
+                </a:defRPr>
+              </a:lvl5pPr>
+              <a:lvl6pPr marL="2286000" indent="0" algn="ctr" defTabSz="914400" rtl="0" eaLnBrk="1" latinLnBrk="0" hangingPunct="1">
+                <a:spcBef>
+                  <a:spcPct val="20000"/>
+                </a:spcBef>
+                <a:buFont typeface="Arial" pitchFamily="34" charset="0"/>
+                <a:buNone/>
+                <a:defRPr sz="2000" kern="1200">
+                  <a:solidFill>
+                    <a:schemeClr val="tx1">
+                      <a:tint val="75000"/>
+                    </a:schemeClr>
+                  </a:solidFill>
+                  <a:latin typeface="+mn-lt"/>
+                  <a:ea typeface="+mn-ea"/>
+                  <a:cs typeface="+mn-cs"/>
+                </a:defRPr>
+              </a:lvl6pPr>
+              <a:lvl7pPr marL="2743200" indent="0" algn="ctr" defTabSz="914400" rtl="0" eaLnBrk="1" latinLnBrk="0" hangingPunct="1">
+                <a:spcBef>
+                  <a:spcPct val="20000"/>
+                </a:spcBef>
+                <a:buFont typeface="Arial" pitchFamily="34" charset="0"/>
+                <a:buNone/>
+                <a:defRPr sz="2000" kern="1200">
+                  <a:solidFill>
+                    <a:schemeClr val="tx1">
+                      <a:tint val="75000"/>
+                    </a:schemeClr>
+                  </a:solidFill>
+                  <a:latin typeface="+mn-lt"/>
+                  <a:ea typeface="+mn-ea"/>
+                  <a:cs typeface="+mn-cs"/>
+                </a:defRPr>
+              </a:lvl7pPr>
+              <a:lvl8pPr marL="3200400" indent="0" algn="ctr" defTabSz="914400" rtl="0" eaLnBrk="1" latinLnBrk="0" hangingPunct="1">
+                <a:spcBef>
+                  <a:spcPct val="20000"/>
+                </a:spcBef>
+                <a:buFont typeface="Arial" pitchFamily="34" charset="0"/>
+                <a:buNone/>
+                <a:defRPr sz="2000" kern="1200">
+                  <a:solidFill>
+                    <a:schemeClr val="tx1">
+                      <a:tint val="75000"/>
+                    </a:schemeClr>
+                  </a:solidFill>
+                  <a:latin typeface="+mn-lt"/>
+                  <a:ea typeface="+mn-ea"/>
+                  <a:cs typeface="+mn-cs"/>
+                </a:defRPr>
+              </a:lvl8pPr>
+              <a:lvl9pPr marL="3657600" indent="0" algn="ctr" defTabSz="914400" rtl="0" eaLnBrk="1" latinLnBrk="0" hangingPunct="1">
+                <a:spcBef>
+                  <a:spcPct val="20000"/>
+                </a:spcBef>
+                <a:buFont typeface="Arial" pitchFamily="34" charset="0"/>
+                <a:buNone/>
+                <a:defRPr sz="2000" kern="1200">
+                  <a:solidFill>
+                    <a:schemeClr val="tx1">
+                      <a:tint val="75000"/>
+                    </a:schemeClr>
+                  </a:solidFill>
+                  <a:latin typeface="+mn-lt"/>
+                  <a:ea typeface="+mn-ea"/>
+                  <a:cs typeface="+mn-cs"/>
+                </a:defRPr>
+              </a:lvl9pPr>
+            </a:lstStyle>
+            <a:p>
+              <a:r>
+                <a:rPr lang="en-US" sz="2700" dirty="0">
+                  <a:solidFill>
+                    <a:schemeClr val="tx1"/>
+                  </a:solidFill>
+                  <a:latin typeface="Calibri" panose="020F0502020204030204" pitchFamily="34" charset="0"/>
+                  <a:ea typeface="Roboto Light" panose="02000000000000000000" pitchFamily="2" charset="0"/>
+                  <a:cs typeface="Roboto Light" panose="02000000000000000000" pitchFamily="2" charset="0"/>
+                </a:rPr>
+                <a:t>NGULAR</a:t>
+              </a:r>
+              <a:r>
+                <a:rPr lang="en-US" sz="2700" dirty="0">
+                  <a:solidFill>
+                    <a:srgbClr val="C00000"/>
+                  </a:solidFill>
+                  <a:latin typeface="Calibri" panose="020F0502020204030204" pitchFamily="34" charset="0"/>
+                  <a:ea typeface="Roboto Light" panose="02000000000000000000" pitchFamily="2" charset="0"/>
+                  <a:cs typeface="Roboto Light" panose="02000000000000000000" pitchFamily="2" charset="0"/>
+                </a:rPr>
+                <a:t>JS</a:t>
+              </a:r>
+              <a:endParaRPr lang="en-US" sz="2700" dirty="0">
+                <a:solidFill>
+                  <a:schemeClr val="tx1"/>
+                </a:solidFill>
+                <a:latin typeface="Calibri" panose="020F0502020204030204" pitchFamily="34" charset="0"/>
+                <a:ea typeface="Roboto Light" panose="02000000000000000000" pitchFamily="2" charset="0"/>
+                <a:cs typeface="Roboto Light" panose="02000000000000000000" pitchFamily="2" charset="0"/>
+              </a:endParaRPr>
+            </a:p>
+          </p:txBody>
+        </p:sp>
+        <p:pic>
+          <p:nvPicPr>
+            <p:cNvPr id="10" name="Picture 9"/>
+            <p:cNvPicPr>
+              <a:picLocks noChangeAspect="1"/>
+            </p:cNvPicPr>
+            <p:nvPr/>
+          </p:nvPicPr>
+          <p:blipFill>
+            <a:blip r:embed="rId3" cstate="print">
+              <a:extLst>
+                <a:ext uri="{28A0092B-C50C-407E-A947-70E740481C1C}">
+                  <a14:useLocalDpi xmlns:a14="http://schemas.microsoft.com/office/drawing/2010/main" val="0"/>
+                </a:ext>
+              </a:extLst>
+            </a:blip>
+            <a:stretch>
+              <a:fillRect/>
+            </a:stretch>
+          </p:blipFill>
+          <p:spPr>
+            <a:xfrm>
+              <a:off x="976312" y="1284918"/>
+              <a:ext cx="925816" cy="981439"/>
+            </a:xfrm>
+            <a:prstGeom prst="rect">
+              <a:avLst/>
+            </a:prstGeom>
+          </p:spPr>
+        </p:pic>
+        <p:sp>
+          <p:nvSpPr>
+            <p:cNvPr id="11" name="Subtitle 2"/>
+            <p:cNvSpPr txBox="1">
+              <a:spLocks/>
+            </p:cNvSpPr>
+            <p:nvPr/>
+          </p:nvSpPr>
+          <p:spPr>
+            <a:xfrm>
+              <a:off x="2544293" y="1905156"/>
+              <a:ext cx="6322695" cy="338554"/>
+            </a:xfrm>
+            <a:prstGeom prst="rect">
+              <a:avLst/>
+            </a:prstGeom>
+          </p:spPr>
+          <p:txBody>
+            <a:bodyPr wrap="square">
+              <a:spAutoFit/>
+            </a:bodyPr>
+            <a:lstStyle>
+              <a:lvl1pPr marL="0" indent="0" algn="l" defTabSz="914400" rtl="0" eaLnBrk="1" latinLnBrk="0" hangingPunct="1">
+                <a:spcBef>
+                  <a:spcPct val="20000"/>
+                </a:spcBef>
+                <a:buFont typeface="Arial" pitchFamily="34" charset="0"/>
+                <a:buNone/>
+                <a:defRPr sz="3200" kern="1200">
+                  <a:solidFill>
+                    <a:schemeClr val="tx1">
+                      <a:tint val="75000"/>
+                    </a:schemeClr>
+                  </a:solidFill>
+                  <a:latin typeface="+mj-lt"/>
+                  <a:ea typeface="+mn-ea"/>
+                  <a:cs typeface="+mn-cs"/>
+                </a:defRPr>
+              </a:lvl1pPr>
+              <a:lvl2pPr marL="457200" indent="0" algn="ctr" defTabSz="914400" rtl="0" eaLnBrk="1" latinLnBrk="0" hangingPunct="1">
+                <a:spcBef>
+                  <a:spcPct val="20000"/>
+                </a:spcBef>
+                <a:buFont typeface="Arial" pitchFamily="34" charset="0"/>
+                <a:buNone/>
+                <a:defRPr sz="2800" kern="1200">
+                  <a:solidFill>
+                    <a:schemeClr val="tx1">
+                      <a:tint val="75000"/>
+                    </a:schemeClr>
+                  </a:solidFill>
+                  <a:latin typeface="+mn-lt"/>
+                  <a:ea typeface="+mn-ea"/>
+                  <a:cs typeface="+mn-cs"/>
+                </a:defRPr>
+              </a:lvl2pPr>
+              <a:lvl3pPr marL="914400" indent="0" algn="ctr" defTabSz="914400" rtl="0" eaLnBrk="1" latinLnBrk="0" hangingPunct="1">
+                <a:spcBef>
+                  <a:spcPct val="20000"/>
+                </a:spcBef>
+                <a:buFont typeface="Arial" pitchFamily="34" charset="0"/>
+                <a:buNone/>
+                <a:defRPr sz="2400" kern="1200">
+                  <a:solidFill>
+                    <a:schemeClr val="tx1">
+                      <a:tint val="75000"/>
+                    </a:schemeClr>
+                  </a:solidFill>
+                  <a:latin typeface="+mn-lt"/>
+                  <a:ea typeface="+mn-ea"/>
+                  <a:cs typeface="+mn-cs"/>
+                </a:defRPr>
+              </a:lvl3pPr>
+              <a:lvl4pPr marL="1371600" indent="0" algn="ctr" defTabSz="914400" rtl="0" eaLnBrk="1" latinLnBrk="0" hangingPunct="1">
+                <a:spcBef>
+                  <a:spcPct val="20000"/>
+                </a:spcBef>
+                <a:buFont typeface="Arial" pitchFamily="34" charset="0"/>
+                <a:buNone/>
+                <a:defRPr sz="2000" kern="1200">
+                  <a:solidFill>
+                    <a:schemeClr val="tx1">
+                      <a:tint val="75000"/>
+                    </a:schemeClr>
+                  </a:solidFill>
+                  <a:latin typeface="+mn-lt"/>
+                  <a:ea typeface="+mn-ea"/>
+                  <a:cs typeface="+mn-cs"/>
+                </a:defRPr>
+              </a:lvl4pPr>
+              <a:lvl5pPr marL="1828800" indent="0" algn="ctr" defTabSz="914400" rtl="0" eaLnBrk="1" latinLnBrk="0" hangingPunct="1">
+                <a:spcBef>
+                  <a:spcPct val="20000"/>
+                </a:spcBef>
+                <a:buFont typeface="Arial" pitchFamily="34" charset="0"/>
+                <a:buNone/>
+                <a:defRPr sz="2000" kern="1200">
+                  <a:solidFill>
+                    <a:schemeClr val="tx1">
+                      <a:tint val="75000"/>
+                    </a:schemeClr>
+                  </a:solidFill>
+                  <a:latin typeface="+mn-lt"/>
+                  <a:ea typeface="+mn-ea"/>
+                  <a:cs typeface="+mn-cs"/>
+                </a:defRPr>
+              </a:lvl5pPr>
+              <a:lvl6pPr marL="2286000" indent="0" algn="ctr" defTabSz="914400" rtl="0" eaLnBrk="1" latinLnBrk="0" hangingPunct="1">
+                <a:spcBef>
+                  <a:spcPct val="20000"/>
+                </a:spcBef>
+                <a:buFont typeface="Arial" pitchFamily="34" charset="0"/>
+                <a:buNone/>
+                <a:defRPr sz="2000" kern="1200">
+                  <a:solidFill>
+                    <a:schemeClr val="tx1">
+                      <a:tint val="75000"/>
+                    </a:schemeClr>
+                  </a:solidFill>
+                  <a:latin typeface="+mn-lt"/>
+                  <a:ea typeface="+mn-ea"/>
+                  <a:cs typeface="+mn-cs"/>
+                </a:defRPr>
+              </a:lvl6pPr>
+              <a:lvl7pPr marL="2743200" indent="0" algn="ctr" defTabSz="914400" rtl="0" eaLnBrk="1" latinLnBrk="0" hangingPunct="1">
+                <a:spcBef>
+                  <a:spcPct val="20000"/>
+                </a:spcBef>
+                <a:buFont typeface="Arial" pitchFamily="34" charset="0"/>
+                <a:buNone/>
+                <a:defRPr sz="2000" kern="1200">
+                  <a:solidFill>
+                    <a:schemeClr val="tx1">
+                      <a:tint val="75000"/>
+                    </a:schemeClr>
+                  </a:solidFill>
+                  <a:latin typeface="+mn-lt"/>
+                  <a:ea typeface="+mn-ea"/>
+                  <a:cs typeface="+mn-cs"/>
+                </a:defRPr>
+              </a:lvl7pPr>
+              <a:lvl8pPr marL="3200400" indent="0" algn="ctr" defTabSz="914400" rtl="0" eaLnBrk="1" latinLnBrk="0" hangingPunct="1">
+                <a:spcBef>
+                  <a:spcPct val="20000"/>
+                </a:spcBef>
+                <a:buFont typeface="Arial" pitchFamily="34" charset="0"/>
+                <a:buNone/>
+                <a:defRPr sz="2000" kern="1200">
+                  <a:solidFill>
+                    <a:schemeClr val="tx1">
+                      <a:tint val="75000"/>
+                    </a:schemeClr>
+                  </a:solidFill>
+                  <a:latin typeface="+mn-lt"/>
+                  <a:ea typeface="+mn-ea"/>
+                  <a:cs typeface="+mn-cs"/>
+                </a:defRPr>
+              </a:lvl8pPr>
+              <a:lvl9pPr marL="3657600" indent="0" algn="ctr" defTabSz="914400" rtl="0" eaLnBrk="1" latinLnBrk="0" hangingPunct="1">
+                <a:spcBef>
+                  <a:spcPct val="20000"/>
+                </a:spcBef>
+                <a:buFont typeface="Arial" pitchFamily="34" charset="0"/>
+                <a:buNone/>
+                <a:defRPr sz="2000" kern="1200">
+                  <a:solidFill>
+                    <a:schemeClr val="tx1">
+                      <a:tint val="75000"/>
+                    </a:schemeClr>
+                  </a:solidFill>
+                  <a:latin typeface="+mn-lt"/>
+                  <a:ea typeface="+mn-ea"/>
+                  <a:cs typeface="+mn-cs"/>
+                </a:defRPr>
+              </a:lvl9pPr>
+            </a:lstStyle>
+            <a:p>
+              <a:r>
+                <a:rPr lang="en-US" sz="1600" dirty="0">
+                  <a:solidFill>
+                    <a:schemeClr val="tx1"/>
+                  </a:solidFill>
+                  <a:latin typeface="Calibri" panose="020F0502020204030204" pitchFamily="34" charset="0"/>
+                  <a:ea typeface="Roboto Light" panose="02000000000000000000" pitchFamily="2" charset="0"/>
+                  <a:cs typeface="Roboto Light" panose="02000000000000000000" pitchFamily="2" charset="0"/>
+                </a:rPr>
+                <a:t>by Google</a:t>
+              </a:r>
+            </a:p>
+          </p:txBody>
+        </p:sp>
+      </p:grpSp>
     </p:spTree>
     <p:extLst>
       <p:ext uri="{BB962C8B-B14F-4D97-AF65-F5344CB8AC3E}">
-        <p14:creationId xmlns:p14="http://schemas.microsoft.com/office/powerpoint/2010/main" xmlns="" val="3436223543"/>
+        <p14:creationId xmlns:p14="http://schemas.microsoft.com/office/powerpoint/2010/main" val="3436223543"/>
       </p:ext>
     </p:extLst>
   </p:cSld>
@@ -2641,7 +2846,7 @@
           <a:lstStyle/>
           <a:p>
             <a:r>
-              <a:rPr lang="ru-RU" dirty="0" smtClean="0">
+              <a:rPr lang="ru-RU" dirty="0">
                 <a:latin typeface="Calibri" pitchFamily="34" charset="0"/>
               </a:rPr>
               <a:t>Сервисы</a:t>
@@ -2664,7 +2869,7 @@
         </p:nvSpPr>
         <p:spPr>
           <a:xfrm>
-            <a:off x="467544" y="1988840"/>
+            <a:off x="467544" y="1700808"/>
             <a:ext cx="8136904" cy="3384376"/>
           </a:xfrm>
         </p:spPr>
@@ -2672,112 +2877,138 @@
           <a:bodyPr/>
           <a:lstStyle/>
           <a:p>
-            <a:r>
-              <a:rPr lang="ru-RU" sz="2400" b="1" dirty="0" smtClean="0">
+            <a:pPr marL="0" indent="0">
+              <a:buNone/>
+            </a:pPr>
+            <a:r>
+              <a:rPr lang="ru-RU" sz="1800" b="1" dirty="0">
                 <a:latin typeface="Calibri" pitchFamily="34" charset="0"/>
               </a:rPr>
               <a:t>Сервисы</a:t>
             </a:r>
             <a:r>
-              <a:rPr lang="ru-RU" sz="2400" dirty="0" smtClean="0">
-                <a:latin typeface="Calibri" pitchFamily="34" charset="0"/>
-              </a:rPr>
-              <a:t>–специальные объекты, которые передаются компонентам приложения с помощью внедрения зависимости</a:t>
-            </a:r>
-            <a:r>
-              <a:rPr lang="ru-RU" sz="2400" dirty="0" smtClean="0">
-                <a:latin typeface="Calibri" pitchFamily="34" charset="0"/>
-              </a:rPr>
-              <a:t>.  </a:t>
+              <a:rPr lang="ru-RU" sz="1800" dirty="0">
+                <a:latin typeface="Calibri" pitchFamily="34" charset="0"/>
+              </a:rPr>
+              <a:t>–специальные объекты, которые передаются компонентам приложения с помощью внедрения зависимостей.  </a:t>
             </a:r>
           </a:p>
           <a:p>
             <a:pPr>
               <a:buNone/>
             </a:pPr>
-            <a:endParaRPr lang="ru-RU" sz="2400" dirty="0" smtClean="0">
+            <a:endParaRPr lang="ru-RU" sz="1800" dirty="0">
               <a:latin typeface="Calibri" pitchFamily="34" charset="0"/>
             </a:endParaRPr>
+          </a:p>
+          <a:p>
+            <a:pPr>
+              <a:spcBef>
+                <a:spcPts val="0"/>
+              </a:spcBef>
+              <a:buNone/>
+            </a:pPr>
+            <a:endParaRPr lang="ru-RU" sz="1800" i="1" dirty="0">
+              <a:latin typeface="Calibri" pitchFamily="34" charset="0"/>
+            </a:endParaRPr>
+          </a:p>
+          <a:p>
+            <a:pPr>
+              <a:spcBef>
+                <a:spcPts val="0"/>
+              </a:spcBef>
+              <a:buNone/>
+            </a:pPr>
+            <a:r>
+              <a:rPr lang="ru-RU" sz="1800" i="1" dirty="0" err="1">
+                <a:latin typeface="Calibri" pitchFamily="34" charset="0"/>
+              </a:rPr>
+              <a:t>Lazily</a:t>
+            </a:r>
+            <a:r>
+              <a:rPr lang="ru-RU" sz="1800" i="1" dirty="0">
+                <a:latin typeface="Calibri" pitchFamily="34" charset="0"/>
+              </a:rPr>
+              <a:t> </a:t>
+            </a:r>
+            <a:r>
+              <a:rPr lang="ru-RU" sz="1800" i="1" dirty="0" err="1">
+                <a:latin typeface="Calibri" pitchFamily="34" charset="0"/>
+              </a:rPr>
+              <a:t>instantiated</a:t>
+            </a:r>
+            <a:r>
+              <a:rPr lang="ru-RU" sz="1800" dirty="0">
+                <a:latin typeface="Calibri" pitchFamily="34" charset="0"/>
+              </a:rPr>
+              <a:t> – экземпляр сервиса создается только тогда,  когда этого </a:t>
+            </a:r>
+          </a:p>
+          <a:p>
+            <a:pPr>
+              <a:spcBef>
+                <a:spcPts val="0"/>
+              </a:spcBef>
+              <a:buNone/>
+            </a:pPr>
+            <a:r>
+              <a:rPr lang="ru-RU" sz="1800" dirty="0">
+                <a:latin typeface="Calibri" pitchFamily="34" charset="0"/>
+              </a:rPr>
+              <a:t>требует другой компонент системы.</a:t>
+            </a:r>
           </a:p>
           <a:p>
             <a:pPr>
               <a:buNone/>
             </a:pPr>
-            <a:r>
-              <a:rPr lang="ru-RU" sz="2400" dirty="0" smtClean="0">
-                <a:latin typeface="Calibri" pitchFamily="34" charset="0"/>
-              </a:rPr>
-              <a:t>•</a:t>
-            </a:r>
-            <a:r>
-              <a:rPr lang="ru-RU" sz="2400" dirty="0" err="1" smtClean="0">
-                <a:latin typeface="Calibri" pitchFamily="34" charset="0"/>
-              </a:rPr>
-              <a:t>Lazily</a:t>
-            </a:r>
-            <a:r>
-              <a:rPr lang="ru-RU" sz="2400" dirty="0" smtClean="0">
-                <a:latin typeface="Calibri" pitchFamily="34" charset="0"/>
-              </a:rPr>
-              <a:t> </a:t>
-            </a:r>
-            <a:r>
-              <a:rPr lang="ru-RU" sz="2400" dirty="0" err="1" smtClean="0">
-                <a:latin typeface="Calibri" pitchFamily="34" charset="0"/>
-              </a:rPr>
-              <a:t>instantiated</a:t>
-            </a:r>
-            <a:r>
-              <a:rPr lang="ru-RU" sz="2400" dirty="0" smtClean="0">
-                <a:latin typeface="Calibri" pitchFamily="34" charset="0"/>
-              </a:rPr>
-              <a:t>–экземпляр сервиса создается только тогда, когда этого требует другой компонент системы.</a:t>
-            </a:r>
+            <a:endParaRPr lang="ru-RU" sz="1800" dirty="0">
+              <a:latin typeface="Calibri" pitchFamily="34" charset="0"/>
+            </a:endParaRPr>
           </a:p>
           <a:p>
             <a:pPr>
               <a:buNone/>
             </a:pPr>
             <a:r>
-              <a:rPr lang="ru-RU" sz="2400" dirty="0" smtClean="0">
-                <a:latin typeface="Calibri" pitchFamily="34" charset="0"/>
-              </a:rPr>
-              <a:t>•</a:t>
-            </a:r>
-            <a:r>
-              <a:rPr lang="ru-RU" sz="2400" dirty="0" err="1" smtClean="0">
+              <a:rPr lang="ru-RU" sz="1800" i="1" dirty="0" err="1">
                 <a:latin typeface="Calibri" pitchFamily="34" charset="0"/>
               </a:rPr>
               <a:t>Singletons</a:t>
             </a:r>
             <a:r>
-              <a:rPr lang="ru-RU" sz="2400" dirty="0" smtClean="0">
-                <a:latin typeface="Calibri" pitchFamily="34" charset="0"/>
-              </a:rPr>
-              <a:t> –все компоненты взаимодействуют с одним и тем же экземпляром сервиса</a:t>
-            </a:r>
-            <a:r>
-              <a:rPr lang="ru-RU" sz="2400" dirty="0" smtClean="0">
-                <a:latin typeface="Calibri" pitchFamily="34" charset="0"/>
-              </a:rPr>
-              <a:t>. </a:t>
+              <a:rPr lang="ru-RU" sz="1800" dirty="0">
+                <a:latin typeface="Calibri" pitchFamily="34" charset="0"/>
+              </a:rPr>
+              <a:t> – все компоненты взаимодействуют с одним и тем же экземпляром </a:t>
             </a:r>
           </a:p>
           <a:p>
             <a:pPr>
               <a:buNone/>
             </a:pPr>
-            <a:endParaRPr lang="ru-RU" sz="2400" dirty="0" smtClean="0">
+            <a:r>
+              <a:rPr lang="ru-RU" sz="1800" dirty="0">
+                <a:latin typeface="Calibri" pitchFamily="34" charset="0"/>
+              </a:rPr>
+              <a:t>сервиса. </a:t>
+            </a:r>
+          </a:p>
+          <a:p>
+            <a:pPr>
+              <a:buNone/>
+            </a:pPr>
+            <a:endParaRPr lang="ru-RU" sz="1800" dirty="0">
               <a:latin typeface="Calibri" pitchFamily="34" charset="0"/>
             </a:endParaRPr>
           </a:p>
           <a:p>
-            <a:endParaRPr lang="ru-RU" sz="2400" dirty="0" smtClean="0">
+            <a:endParaRPr lang="ru-RU" sz="1800" dirty="0">
               <a:latin typeface="Calibri" pitchFamily="34" charset="0"/>
             </a:endParaRPr>
           </a:p>
           <a:p>
-            <a:endParaRPr lang="uk-UA" sz="2400" dirty="0">
+            <a:endParaRPr lang="uk-UA" sz="1800" dirty="0">
               <a:latin typeface="Calibri" pitchFamily="34" charset="0"/>
             </a:endParaRPr>
           </a:p>
@@ -2824,7 +3055,7 @@
           <a:lstStyle/>
           <a:p>
             <a:r>
-              <a:rPr lang="ru-RU" dirty="0" smtClean="0">
+              <a:rPr lang="ru-RU" dirty="0">
                 <a:latin typeface="Calibri" pitchFamily="34" charset="0"/>
               </a:rPr>
               <a:t>Сервисы</a:t>
@@ -2847,7 +3078,7 @@
         </p:nvSpPr>
         <p:spPr>
           <a:xfrm>
-            <a:off x="539552" y="2006600"/>
+            <a:off x="539552" y="1706736"/>
             <a:ext cx="8352928" cy="2946400"/>
           </a:xfrm>
         </p:spPr>
@@ -2855,88 +3086,76 @@
           <a:bodyPr/>
           <a:lstStyle/>
           <a:p>
-            <a:pPr>
+            <a:r>
+              <a:rPr lang="ru-RU" sz="1800" dirty="0">
+                <a:latin typeface="Calibri" pitchFamily="34" charset="0"/>
+              </a:rPr>
+              <a:t>Системные сервисы используют $ как первый символ в имени, например, $</a:t>
+            </a:r>
+            <a:r>
+              <a:rPr lang="ru-RU" sz="1800" dirty="0" err="1">
+                <a:latin typeface="Calibri" pitchFamily="34" charset="0"/>
+              </a:rPr>
+              <a:t>http</a:t>
+            </a:r>
+            <a:r>
+              <a:rPr lang="ru-RU" sz="1800" dirty="0">
+                <a:latin typeface="Calibri" pitchFamily="34" charset="0"/>
+              </a:rPr>
+              <a:t>, $</a:t>
+            </a:r>
+            <a:r>
+              <a:rPr lang="ru-RU" sz="1800" dirty="0" err="1">
+                <a:latin typeface="Calibri" pitchFamily="34" charset="0"/>
+              </a:rPr>
+              <a:t>parse</a:t>
+            </a:r>
+            <a:r>
+              <a:rPr lang="ru-RU" sz="1800" dirty="0">
+                <a:latin typeface="Calibri" pitchFamily="34" charset="0"/>
+              </a:rPr>
+              <a:t>, $</a:t>
+            </a:r>
+            <a:r>
+              <a:rPr lang="ru-RU" sz="1800" dirty="0" err="1">
+                <a:latin typeface="Calibri" pitchFamily="34" charset="0"/>
+              </a:rPr>
+              <a:t>filter</a:t>
+            </a:r>
+            <a:endParaRPr lang="ru-RU" sz="1800" dirty="0">
+              <a:latin typeface="Calibri" pitchFamily="34" charset="0"/>
+            </a:endParaRPr>
+          </a:p>
+          <a:p>
+            <a:pPr marL="0" indent="0">
               <a:buNone/>
             </a:pPr>
-            <a:endParaRPr lang="ru-RU" sz="2400" dirty="0" smtClean="0">
+            <a:endParaRPr lang="ru-RU" sz="1800" dirty="0">
               <a:latin typeface="Calibri" pitchFamily="34" charset="0"/>
             </a:endParaRPr>
           </a:p>
           <a:p>
             <a:r>
-              <a:rPr lang="ru-RU" sz="2400" dirty="0" smtClean="0">
-                <a:latin typeface="Calibri" pitchFamily="34" charset="0"/>
-              </a:rPr>
-              <a:t>Системные сервисы используют $ как первый символ в имени, например, $</a:t>
-            </a:r>
-            <a:r>
-              <a:rPr lang="ru-RU" sz="2400" dirty="0" err="1" smtClean="0">
-                <a:latin typeface="Calibri" pitchFamily="34" charset="0"/>
-              </a:rPr>
-              <a:t>http</a:t>
-            </a:r>
-            <a:r>
-              <a:rPr lang="ru-RU" sz="2400" dirty="0" smtClean="0">
-                <a:latin typeface="Calibri" pitchFamily="34" charset="0"/>
-              </a:rPr>
-              <a:t>, $</a:t>
-            </a:r>
-            <a:r>
-              <a:rPr lang="ru-RU" sz="2400" dirty="0" err="1" smtClean="0">
-                <a:latin typeface="Calibri" pitchFamily="34" charset="0"/>
-              </a:rPr>
-              <a:t>parse</a:t>
-            </a:r>
-            <a:r>
-              <a:rPr lang="ru-RU" sz="2400" dirty="0" smtClean="0">
-                <a:latin typeface="Calibri" pitchFamily="34" charset="0"/>
-              </a:rPr>
-              <a:t>, $</a:t>
-            </a:r>
-            <a:r>
-              <a:rPr lang="ru-RU" sz="2400" dirty="0" err="1" smtClean="0">
-                <a:latin typeface="Calibri" pitchFamily="34" charset="0"/>
-              </a:rPr>
-              <a:t>filter</a:t>
-            </a:r>
-            <a:endParaRPr lang="ru-RU" sz="2400" dirty="0" smtClean="0">
-              <a:latin typeface="Calibri" pitchFamily="34" charset="0"/>
-            </a:endParaRPr>
-          </a:p>
-          <a:p>
-            <a:r>
-              <a:rPr lang="ru-RU" sz="2400" dirty="0" smtClean="0">
-                <a:latin typeface="Calibri" pitchFamily="34" charset="0"/>
-              </a:rPr>
-              <a:t>В сервисы помещают ту функциональность, которая не вписывается в один из элементов </a:t>
-            </a:r>
-            <a:r>
-              <a:rPr lang="ru-RU" sz="2400" dirty="0" err="1" smtClean="0">
-                <a:latin typeface="Calibri" pitchFamily="34" charset="0"/>
-              </a:rPr>
-              <a:t>MVCшаблона</a:t>
-            </a:r>
-            <a:r>
-              <a:rPr lang="ru-RU" sz="2400" dirty="0" smtClean="0">
-                <a:latin typeface="Calibri" pitchFamily="34" charset="0"/>
-              </a:rPr>
-              <a:t> –</a:t>
-            </a:r>
-            <a:r>
-              <a:rPr lang="ru-RU" sz="2400" dirty="0" err="1" smtClean="0">
+              <a:rPr lang="ru-RU" sz="1800" dirty="0">
+                <a:latin typeface="Calibri" pitchFamily="34" charset="0"/>
+              </a:rPr>
+              <a:t>В сервисы помещают ту функциональность, которая не вписывается в один из элементов MVC шаблона – </a:t>
+            </a:r>
+            <a:r>
+              <a:rPr lang="ru-RU" sz="1800" dirty="0" err="1">
                 <a:latin typeface="Calibri" pitchFamily="34" charset="0"/>
               </a:rPr>
               <a:t>логирование</a:t>
             </a:r>
             <a:r>
-              <a:rPr lang="ru-RU" sz="2400" dirty="0" smtClean="0">
+              <a:rPr lang="ru-RU" sz="1800" dirty="0">
                 <a:latin typeface="Calibri" pitchFamily="34" charset="0"/>
               </a:rPr>
               <a:t>, кэширование, работа с HTTP.</a:t>
             </a:r>
           </a:p>
           <a:p>
-            <a:endParaRPr lang="uk-UA" sz="2400" dirty="0">
+            <a:endParaRPr lang="uk-UA" sz="1800" dirty="0">
               <a:latin typeface="Calibri" pitchFamily="34" charset="0"/>
             </a:endParaRPr>
           </a:p>
@@ -2983,31 +3202,31 @@
           <a:lstStyle/>
           <a:p>
             <a:r>
-              <a:rPr lang="uk-UA" dirty="0" err="1" smtClean="0">
+              <a:rPr lang="uk-UA" dirty="0" err="1">
                 <a:latin typeface="Calibri" pitchFamily="34" charset="0"/>
               </a:rPr>
               <a:t>Способы</a:t>
             </a:r>
             <a:r>
-              <a:rPr lang="uk-UA" dirty="0" smtClean="0">
+              <a:rPr lang="uk-UA" dirty="0">
                 <a:latin typeface="Calibri" pitchFamily="34" charset="0"/>
               </a:rPr>
               <a:t> </a:t>
             </a:r>
             <a:r>
-              <a:rPr lang="uk-UA" dirty="0" err="1" smtClean="0">
+              <a:rPr lang="uk-UA" dirty="0" err="1">
                 <a:latin typeface="Calibri" pitchFamily="34" charset="0"/>
               </a:rPr>
               <a:t>создания</a:t>
             </a:r>
             <a:r>
-              <a:rPr lang="uk-UA" dirty="0" smtClean="0">
+              <a:rPr lang="uk-UA" dirty="0">
                 <a:latin typeface="Calibri" pitchFamily="34" charset="0"/>
               </a:rPr>
               <a:t> </a:t>
             </a:r>
             <a:r>
-              <a:rPr lang="uk-UA" dirty="0" err="1" smtClean="0">
+              <a:rPr lang="uk-UA" dirty="0" err="1">
                 <a:latin typeface="Calibri" pitchFamily="34" charset="0"/>
               </a:rPr>
               <a:t>сервисов</a:t>
@@ -3030,7 +3249,7 @@
         </p:nvSpPr>
         <p:spPr>
           <a:xfrm>
-            <a:off x="1115616" y="2006600"/>
+            <a:off x="1115616" y="1718568"/>
             <a:ext cx="6984776" cy="3366616"/>
           </a:xfrm>
         </p:spPr>
@@ -3039,39 +3258,39 @@
           <a:lstStyle/>
           <a:p>
             <a:r>
-              <a:rPr lang="ru-RU" sz="2400" b="1" dirty="0" err="1" smtClean="0">
+              <a:rPr lang="ru-RU" sz="1800" b="1" dirty="0" err="1">
                 <a:latin typeface="Calibri" pitchFamily="34" charset="0"/>
               </a:rPr>
               <a:t>module.factory</a:t>
             </a:r>
             <a:r>
-              <a:rPr lang="ru-RU" sz="2400" dirty="0" smtClean="0">
-                <a:latin typeface="Calibri" pitchFamily="34" charset="0"/>
-              </a:rPr>
-              <a:t>() –метод возвращает объект сервиса.</a:t>
-            </a:r>
-          </a:p>
-          <a:p>
-            <a:r>
-              <a:rPr lang="ru-RU" sz="2400" b="1" dirty="0" err="1" smtClean="0">
+              <a:rPr lang="ru-RU" sz="1800" dirty="0">
+                <a:latin typeface="Calibri" pitchFamily="34" charset="0"/>
+              </a:rPr>
+              <a:t>() – метод возвращает объект сервиса.</a:t>
+            </a:r>
+          </a:p>
+          <a:p>
+            <a:r>
+              <a:rPr lang="ru-RU" sz="1800" b="1" dirty="0" err="1">
                 <a:latin typeface="Calibri" pitchFamily="34" charset="0"/>
               </a:rPr>
               <a:t>module.service</a:t>
             </a:r>
             <a:r>
-              <a:rPr lang="ru-RU" sz="2400" dirty="0" smtClean="0">
-                <a:latin typeface="Calibri" pitchFamily="34" charset="0"/>
-              </a:rPr>
-              <a:t>()–создается сервис с использованием ключевого слова </a:t>
-            </a:r>
-            <a:r>
-              <a:rPr lang="ru-RU" sz="2400" dirty="0" err="1" smtClean="0">
+              <a:rPr lang="ru-RU" sz="1800" dirty="0">
+                <a:latin typeface="Calibri" pitchFamily="34" charset="0"/>
+              </a:rPr>
+              <a:t>() – создается сервис с использованием ключевого слова </a:t>
+            </a:r>
+            <a:r>
+              <a:rPr lang="ru-RU" sz="1800" dirty="0" err="1">
                 <a:latin typeface="Calibri" pitchFamily="34" charset="0"/>
               </a:rPr>
               <a:t>new</a:t>
             </a:r>
             <a:r>
-              <a:rPr lang="ru-RU" sz="2400" dirty="0" smtClean="0">
+              <a:rPr lang="ru-RU" sz="1800" dirty="0">
                 <a:latin typeface="Calibri" pitchFamily="34" charset="0"/>
               </a:rPr>
               <a:t>.</a:t>
@@ -3079,20 +3298,20 @@
           </a:p>
           <a:p>
             <a:r>
-              <a:rPr lang="ru-RU" sz="2400" b="1" dirty="0" err="1" smtClean="0">
+              <a:rPr lang="ru-RU" sz="1800" b="1" dirty="0" err="1">
                 <a:latin typeface="Calibri" pitchFamily="34" charset="0"/>
               </a:rPr>
               <a:t>module.provider</a:t>
             </a:r>
             <a:r>
-              <a:rPr lang="ru-RU" sz="2400" dirty="0" smtClean="0">
-                <a:latin typeface="Calibri" pitchFamily="34" charset="0"/>
-              </a:rPr>
-              <a:t>() –создание объекта сервиса с возможностью его конфигурации перед использованием.</a:t>
-            </a:r>
-          </a:p>
-          <a:p>
-            <a:endParaRPr lang="uk-UA" sz="2400" dirty="0">
+              <a:rPr lang="ru-RU" sz="1800" dirty="0">
+                <a:latin typeface="Calibri" pitchFamily="34" charset="0"/>
+              </a:rPr>
+              <a:t>() – создание объекта сервиса с возможностью его конфигурации перед использованием.</a:t>
+            </a:r>
+          </a:p>
+          <a:p>
+            <a:endParaRPr lang="uk-UA" sz="1800" dirty="0">
               <a:latin typeface="Calibri" pitchFamily="34" charset="0"/>
             </a:endParaRPr>
           </a:p>
@@ -3139,11 +3358,11 @@
           <a:lstStyle/>
           <a:p>
             <a:r>
-              <a:rPr lang="ru-RU" dirty="0" smtClean="0"/>
+              <a:rPr lang="ru-RU" dirty="0"/>
               <a:t>Сервисы, работающие с технологией </a:t>
             </a:r>
             <a:r>
-              <a:rPr lang="en-US" dirty="0" smtClean="0"/>
+              <a:rPr lang="en-US" dirty="0"/>
               <a:t>AJAX</a:t>
             </a:r>
             <a:endParaRPr lang="uk-UA" dirty="0"/>
@@ -3162,7 +3381,7 @@
         </p:nvSpPr>
         <p:spPr>
           <a:xfrm>
-            <a:off x="827584" y="2420888"/>
+            <a:off x="755576" y="1778744"/>
             <a:ext cx="7632848" cy="2946400"/>
           </a:xfrm>
         </p:spPr>
@@ -3171,91 +3390,67 @@
           <a:lstStyle/>
           <a:p>
             <a:r>
-              <a:rPr lang="en-US" sz="2400" dirty="0" smtClean="0">
-                <a:latin typeface="Calibri" pitchFamily="34" charset="0"/>
-              </a:rPr>
-              <a:t>$http - </a:t>
-            </a:r>
-            <a:r>
-              <a:rPr lang="ru-RU" sz="2400" dirty="0" smtClean="0">
-                <a:latin typeface="Calibri" pitchFamily="34" charset="0"/>
-              </a:rPr>
-              <a:t>ключевой сервис </a:t>
-            </a:r>
-            <a:r>
-              <a:rPr lang="ru-RU" sz="2400" dirty="0" err="1" smtClean="0">
-                <a:latin typeface="Calibri" pitchFamily="34" charset="0"/>
-              </a:rPr>
-              <a:t>Angular</a:t>
-            </a:r>
-            <a:r>
-              <a:rPr lang="ru-RU" sz="2400" dirty="0" smtClean="0">
-                <a:latin typeface="Calibri" pitchFamily="34" charset="0"/>
-              </a:rPr>
-              <a:t>, предназначенный для взаимодействия с удаленным HTTP-сервером через объект </a:t>
-            </a:r>
-            <a:r>
-              <a:rPr lang="ru-RU" sz="2400" dirty="0" err="1" smtClean="0">
+              <a:rPr lang="en-US" sz="1800" b="1" dirty="0">
+                <a:latin typeface="Calibri" pitchFamily="34" charset="0"/>
+              </a:rPr>
+              <a:t>$http</a:t>
+            </a:r>
+            <a:r>
+              <a:rPr lang="en-US" sz="1800" dirty="0">
+                <a:latin typeface="Calibri" pitchFamily="34" charset="0"/>
+              </a:rPr>
+              <a:t> - </a:t>
+            </a:r>
+            <a:r>
+              <a:rPr lang="ru-RU" sz="1800" dirty="0">
+                <a:latin typeface="Calibri" pitchFamily="34" charset="0"/>
+              </a:rPr>
+              <a:t>сервис предназначенный для взаимодействия с удаленным HTTP-сервером через объект </a:t>
+            </a:r>
+            <a:r>
+              <a:rPr lang="ru-RU" sz="1800" dirty="0" err="1">
                 <a:latin typeface="Calibri" pitchFamily="34" charset="0"/>
               </a:rPr>
               <a:t>XMLHttpRequest</a:t>
             </a:r>
             <a:r>
-              <a:rPr lang="ru-RU" sz="2400" dirty="0" smtClean="0">
-                <a:latin typeface="Calibri" pitchFamily="34" charset="0"/>
-              </a:rPr>
-              <a:t> или через JSONP</a:t>
-            </a:r>
-            <a:r>
-              <a:rPr lang="ru-RU" sz="2400" dirty="0" smtClean="0">
+              <a:rPr lang="ru-RU" sz="1800" dirty="0">
                 <a:latin typeface="Calibri" pitchFamily="34" charset="0"/>
               </a:rPr>
               <a:t>.</a:t>
             </a:r>
             <a:r>
-              <a:rPr lang="en-US" sz="2400" dirty="0" smtClean="0">
+              <a:rPr lang="en-US" sz="1800" dirty="0">
                 <a:latin typeface="Calibri" pitchFamily="34" charset="0"/>
               </a:rPr>
               <a:t> </a:t>
             </a:r>
           </a:p>
           <a:p>
-            <a:endParaRPr lang="en-US" sz="2400" dirty="0" smtClean="0">
+            <a:endParaRPr lang="en-US" sz="1800" dirty="0">
               <a:latin typeface="Calibri" pitchFamily="34" charset="0"/>
             </a:endParaRPr>
           </a:p>
           <a:p>
             <a:r>
-              <a:rPr lang="en-US" sz="2400" dirty="0" smtClean="0">
-                <a:latin typeface="Calibri" pitchFamily="34" charset="0"/>
-              </a:rPr>
-              <a:t>$resource – </a:t>
-            </a:r>
-            <a:r>
-              <a:rPr lang="ru-RU" sz="2400" dirty="0" smtClean="0">
-                <a:latin typeface="Calibri" pitchFamily="34" charset="0"/>
-              </a:rPr>
-              <a:t>сервис, который </a:t>
-            </a:r>
-            <a:r>
-              <a:rPr lang="ru-RU" sz="2400" dirty="0" smtClean="0">
-                <a:latin typeface="Calibri" pitchFamily="34" charset="0"/>
-              </a:rPr>
-              <a:t>предоставляет удобный интерфейс для взаимодействия </a:t>
-            </a:r>
-            <a:r>
-              <a:rPr lang="ru-RU" sz="2400" dirty="0" err="1" smtClean="0">
-                <a:latin typeface="Calibri" pitchFamily="34" charset="0"/>
-              </a:rPr>
-              <a:t>c</a:t>
-            </a:r>
-            <a:r>
-              <a:rPr lang="ru-RU" sz="2400" dirty="0" smtClean="0">
-                <a:latin typeface="Calibri" pitchFamily="34" charset="0"/>
-              </a:rPr>
-              <a:t> REST сервисами</a:t>
-            </a:r>
-            <a:endParaRPr lang="en-US" sz="2400" dirty="0" smtClean="0">
+              <a:rPr lang="en-US" sz="1800" b="1" dirty="0">
+                <a:latin typeface="Calibri" pitchFamily="34" charset="0"/>
+              </a:rPr>
+              <a:t>$resource</a:t>
+            </a:r>
+            <a:r>
+              <a:rPr lang="en-US" sz="1800" dirty="0">
+                <a:latin typeface="Calibri" pitchFamily="34" charset="0"/>
+              </a:rPr>
+              <a:t> – </a:t>
+            </a:r>
+            <a:r>
+              <a:rPr lang="ru-RU" sz="1800" dirty="0">
+                <a:latin typeface="Calibri" pitchFamily="34" charset="0"/>
+              </a:rPr>
+              <a:t>сервис, который предоставляет удобный интерфейс для взаимодействия c REST сервисами.</a:t>
+            </a:r>
+            <a:endParaRPr lang="en-US" sz="1800" dirty="0">
               <a:latin typeface="Calibri" pitchFamily="34" charset="0"/>
             </a:endParaRPr>
           </a:p>
@@ -3302,7 +3497,7 @@
           <a:lstStyle/>
           <a:p>
             <a:r>
-              <a:rPr lang="en-US" dirty="0" smtClean="0">
+              <a:rPr lang="en-US" dirty="0">
                 <a:latin typeface="Calibri" pitchFamily="34" charset="0"/>
               </a:rPr>
               <a:t>REST</a:t>
@@ -3325,8 +3520,8 @@
         </p:nvSpPr>
         <p:spPr>
           <a:xfrm>
-            <a:off x="395536" y="1268760"/>
-            <a:ext cx="7992888" cy="3234432"/>
+            <a:off x="395536" y="1340768"/>
+            <a:ext cx="7992888" cy="4464496"/>
           </a:xfrm>
         </p:spPr>
         <p:txBody>
@@ -3334,77 +3529,65 @@
           <a:lstStyle/>
           <a:p>
             <a:r>
-              <a:rPr lang="ru-RU" sz="2400" b="1" dirty="0" smtClean="0">
+              <a:rPr lang="ru-RU" sz="1800" b="1" dirty="0">
                 <a:latin typeface="Calibri" pitchFamily="34" charset="0"/>
               </a:rPr>
               <a:t>REST</a:t>
             </a:r>
             <a:r>
-              <a:rPr lang="ru-RU" sz="2400" dirty="0" smtClean="0">
-                <a:latin typeface="Calibri" pitchFamily="34" charset="0"/>
-              </a:rPr>
-              <a:t> –</a:t>
-            </a:r>
-            <a:r>
-              <a:rPr lang="ru-RU" sz="2400" dirty="0" err="1" smtClean="0">
+              <a:rPr lang="ru-RU" sz="1800" dirty="0">
+                <a:latin typeface="Calibri" pitchFamily="34" charset="0"/>
+              </a:rPr>
+              <a:t> – </a:t>
+            </a:r>
+            <a:r>
+              <a:rPr lang="ru-RU" sz="1800" dirty="0" err="1">
                 <a:latin typeface="Calibri" pitchFamily="34" charset="0"/>
               </a:rPr>
               <a:t>Representational</a:t>
             </a:r>
             <a:r>
-              <a:rPr lang="ru-RU" sz="2400" dirty="0" smtClean="0">
+              <a:rPr lang="ru-RU" sz="1800" dirty="0">
                 <a:latin typeface="Calibri" pitchFamily="34" charset="0"/>
               </a:rPr>
               <a:t> </a:t>
             </a:r>
             <a:r>
-              <a:rPr lang="ru-RU" sz="2400" dirty="0" err="1" smtClean="0">
+              <a:rPr lang="ru-RU" sz="1800" dirty="0" err="1">
                 <a:latin typeface="Calibri" pitchFamily="34" charset="0"/>
               </a:rPr>
               <a:t>State</a:t>
             </a:r>
             <a:r>
-              <a:rPr lang="ru-RU" sz="2400" dirty="0" smtClean="0">
+              <a:rPr lang="ru-RU" sz="1800" dirty="0">
                 <a:latin typeface="Calibri" pitchFamily="34" charset="0"/>
               </a:rPr>
               <a:t> </a:t>
             </a:r>
             <a:r>
-              <a:rPr lang="ru-RU" sz="2400" dirty="0" err="1" smtClean="0">
+              <a:rPr lang="ru-RU" sz="1800" dirty="0" err="1">
                 <a:latin typeface="Calibri" pitchFamily="34" charset="0"/>
               </a:rPr>
               <a:t>Transfer</a:t>
             </a:r>
             <a:r>
-              <a:rPr lang="ru-RU" sz="2400" dirty="0" smtClean="0">
-                <a:latin typeface="Calibri" pitchFamily="34" charset="0"/>
-              </a:rPr>
-              <a:t>, архитектурный стиль для создания масштабируемых </a:t>
-            </a:r>
-            <a:r>
-              <a:rPr lang="ru-RU" sz="2400" dirty="0" err="1" smtClean="0">
-                <a:latin typeface="Calibri" pitchFamily="34" charset="0"/>
-              </a:rPr>
-              <a:t>веб</a:t>
-            </a:r>
-            <a:r>
-              <a:rPr lang="ru-RU" sz="2400" dirty="0" smtClean="0">
-                <a:latin typeface="Calibri" pitchFamily="34" charset="0"/>
-              </a:rPr>
-              <a:t> сервисов. </a:t>
-            </a:r>
-            <a:endParaRPr lang="en-US" sz="2400" dirty="0" smtClean="0">
+              <a:rPr lang="ru-RU" sz="1800" dirty="0">
+                <a:latin typeface="Calibri" pitchFamily="34" charset="0"/>
+              </a:rPr>
+              <a:t>, архитектурный стиль для создания масштабируемых веб сервисов. </a:t>
+            </a:r>
+            <a:endParaRPr lang="en-US" sz="1800" dirty="0">
               <a:latin typeface="Calibri" pitchFamily="34" charset="0"/>
             </a:endParaRPr>
           </a:p>
           <a:p>
-            <a:endParaRPr lang="ru-RU" sz="2400" dirty="0" smtClean="0">
+            <a:endParaRPr lang="ru-RU" sz="1800" dirty="0">
               <a:latin typeface="Calibri" pitchFamily="34" charset="0"/>
             </a:endParaRPr>
           </a:p>
           <a:p>
             <a:r>
-              <a:rPr lang="ru-RU" sz="1800" dirty="0" smtClean="0">
+              <a:rPr lang="ru-RU" sz="1800" dirty="0">
                 <a:latin typeface="Calibri" pitchFamily="34" charset="0"/>
               </a:rPr>
               <a:t>Основные принципы REST:</a:t>
@@ -3412,93 +3595,105 @@
           </a:p>
           <a:p>
             <a:r>
-              <a:rPr lang="ru-RU" sz="1800" b="1" dirty="0" err="1" smtClean="0">
+              <a:rPr lang="ru-RU" sz="1800" b="1" dirty="0" err="1">
                 <a:latin typeface="Calibri" pitchFamily="34" charset="0"/>
               </a:rPr>
               <a:t>Client-Server</a:t>
             </a:r>
             <a:r>
-              <a:rPr lang="ru-RU" sz="1800" dirty="0" smtClean="0">
-                <a:latin typeface="Calibri" pitchFamily="34" charset="0"/>
-              </a:rPr>
-              <a:t>–разделение ответственности</a:t>
-            </a:r>
-          </a:p>
-          <a:p>
-            <a:r>
-              <a:rPr lang="ru-RU" sz="1800" b="1" dirty="0" err="1" smtClean="0">
+              <a:rPr lang="ru-RU" sz="1800" b="1" dirty="0">
+                <a:latin typeface="Calibri" pitchFamily="34" charset="0"/>
+              </a:rPr>
+              <a:t> </a:t>
+            </a:r>
+            <a:r>
+              <a:rPr lang="ru-RU" sz="1800" dirty="0">
+                <a:latin typeface="Calibri" pitchFamily="34" charset="0"/>
+              </a:rPr>
+              <a:t>– разделение ответственности</a:t>
+            </a:r>
+          </a:p>
+          <a:p>
+            <a:r>
+              <a:rPr lang="ru-RU" sz="1800" b="1" dirty="0" err="1">
                 <a:latin typeface="Calibri" pitchFamily="34" charset="0"/>
               </a:rPr>
               <a:t>Stateless</a:t>
             </a:r>
             <a:r>
-              <a:rPr lang="ru-RU" sz="1800" dirty="0" smtClean="0">
-                <a:latin typeface="Calibri" pitchFamily="34" charset="0"/>
-              </a:rPr>
-              <a:t>–общение между клиентом и сервером не подразумевает хранения состояния</a:t>
-            </a:r>
-          </a:p>
-          <a:p>
-            <a:r>
-              <a:rPr lang="ru-RU" sz="1800" b="1" dirty="0" err="1" smtClean="0">
+              <a:rPr lang="ru-RU" sz="1800" b="1" dirty="0">
+                <a:latin typeface="Calibri" pitchFamily="34" charset="0"/>
+              </a:rPr>
+              <a:t> </a:t>
+            </a:r>
+            <a:r>
+              <a:rPr lang="ru-RU" sz="1800" dirty="0">
+                <a:latin typeface="Calibri" pitchFamily="34" charset="0"/>
+              </a:rPr>
+              <a:t>– общение между клиентом и сервером не подразумевает хранения состояния.</a:t>
+            </a:r>
+          </a:p>
+          <a:p>
+            <a:r>
+              <a:rPr lang="ru-RU" sz="1800" b="1" dirty="0" err="1">
                 <a:latin typeface="Calibri" pitchFamily="34" charset="0"/>
               </a:rPr>
               <a:t>Cacheable</a:t>
             </a:r>
             <a:r>
-              <a:rPr lang="ru-RU" sz="1800" dirty="0" smtClean="0">
-                <a:latin typeface="Calibri" pitchFamily="34" charset="0"/>
-              </a:rPr>
-              <a:t>–клиенты могут кэшировать ответы. Ответ должен явно или не явно указывать клиенту может ли тот его кэшировать.</a:t>
-            </a:r>
-          </a:p>
-          <a:p>
-            <a:r>
-              <a:rPr lang="ru-RU" sz="1800" b="1" dirty="0" err="1" smtClean="0">
+              <a:rPr lang="ru-RU" sz="1800" b="1" dirty="0">
+                <a:latin typeface="Calibri" pitchFamily="34" charset="0"/>
+              </a:rPr>
+              <a:t> </a:t>
+            </a:r>
+            <a:r>
+              <a:rPr lang="ru-RU" sz="1800" dirty="0">
+                <a:latin typeface="Calibri" pitchFamily="34" charset="0"/>
+              </a:rPr>
+              <a:t>– клиенты могут кэшировать ответы. Ответ должен явно или не явно указывать клиенту может ли тот его кэшировать.</a:t>
+            </a:r>
+          </a:p>
+          <a:p>
+            <a:r>
+              <a:rPr lang="ru-RU" sz="1800" b="1" dirty="0" err="1">
                 <a:latin typeface="Calibri" pitchFamily="34" charset="0"/>
               </a:rPr>
               <a:t>LayeredSystem</a:t>
             </a:r>
             <a:r>
-              <a:rPr lang="ru-RU" sz="1800" dirty="0" smtClean="0">
-                <a:latin typeface="Calibri" pitchFamily="34" charset="0"/>
-              </a:rPr>
-              <a:t>–клиент не может точно знать подключен ли он на прямую к серверу или пользуется промежуточным </a:t>
-            </a:r>
-            <a:r>
-              <a:rPr lang="ru-RU" sz="1800" dirty="0" err="1" smtClean="0">
-                <a:latin typeface="Calibri" pitchFamily="34" charset="0"/>
-              </a:rPr>
-              <a:t>прокси</a:t>
-            </a:r>
-            <a:r>
-              <a:rPr lang="ru-RU" sz="1800" dirty="0" smtClean="0">
-                <a:latin typeface="Calibri" pitchFamily="34" charset="0"/>
-              </a:rPr>
-              <a:t> сервером.</a:t>
-            </a:r>
-          </a:p>
-          <a:p>
-            <a:r>
-              <a:rPr lang="ru-RU" sz="1800" b="1" dirty="0" err="1" smtClean="0">
+              <a:rPr lang="ru-RU" sz="1800" b="1" dirty="0">
+                <a:latin typeface="Calibri" pitchFamily="34" charset="0"/>
+              </a:rPr>
+              <a:t> </a:t>
+            </a:r>
+            <a:r>
+              <a:rPr lang="ru-RU" sz="1800" dirty="0">
+                <a:latin typeface="Calibri" pitchFamily="34" charset="0"/>
+              </a:rPr>
+              <a:t>– клиент не может точно знать подключен ли он на прямую к серверу или пользуется промежуточным прокси сервером.</a:t>
+            </a:r>
+          </a:p>
+          <a:p>
+            <a:r>
+              <a:rPr lang="ru-RU" sz="1800" b="1" dirty="0" err="1">
                 <a:latin typeface="Calibri" pitchFamily="34" charset="0"/>
               </a:rPr>
               <a:t>UniformInterface</a:t>
             </a:r>
             <a:r>
-              <a:rPr lang="ru-RU" sz="1800" dirty="0" smtClean="0">
-                <a:latin typeface="Calibri" pitchFamily="34" charset="0"/>
-              </a:rPr>
-              <a:t>–унифицированный интерфейс между клиентом и сервером основанный на URI и использования HTTP метода для определения операции, которую необходимо выполнить на сервере</a:t>
-            </a:r>
-            <a:r>
-              <a:rPr lang="ru-RU" sz="1800" dirty="0" smtClean="0">
-                <a:latin typeface="Calibri" pitchFamily="34" charset="0"/>
-              </a:rPr>
-              <a:t>.</a:t>
-            </a:r>
-            <a:r>
-              <a:rPr lang="en-US" sz="1800" dirty="0" smtClean="0">
+              <a:rPr lang="ru-RU" sz="1800" b="1" dirty="0">
+                <a:latin typeface="Calibri" pitchFamily="34" charset="0"/>
+              </a:rPr>
+              <a:t> </a:t>
+            </a:r>
+            <a:r>
+              <a:rPr lang="ru-RU" sz="1800" dirty="0">
+                <a:latin typeface="Calibri" pitchFamily="34" charset="0"/>
+              </a:rPr>
+              <a:t>– унифицированный интерфейс между клиентом и сервером основанный на URI и использования HTTP метода для определения операции, которую необходимо выполнить на сервере.</a:t>
+            </a:r>
+            <a:r>
+              <a:rPr lang="en-US" sz="1800" dirty="0">
                 <a:latin typeface="Calibri" pitchFamily="34" charset="0"/>
               </a:rPr>
               <a:t> </a:t>
